--- a/ThesisWork/plug-in/environment/runtime_environment.pptx
+++ b/ThesisWork/plug-in/environment/runtime_environment.pptx
@@ -1077,18 +1077,46 @@
         </dgm:presLayoutVars>
       </dgm:prSet>
       <dgm:spPr/>
+      <dgm:t>
+        <a:bodyPr/>
+        <a:lstStyle/>
+        <a:p>
+          <a:endParaRPr lang="en-US"/>
+        </a:p>
+      </dgm:t>
     </dgm:pt>
     <dgm:pt modelId="{78107937-2D5E-4B38-9E26-93F278DA68C1}" type="pres">
       <dgm:prSet presAssocID="{AF7FEF79-4375-42BD-AA7D-F1FC1C70E841}" presName="centerShape" presStyleLbl="node0" presStyleIdx="0" presStyleCnt="1"/>
       <dgm:spPr/>
+      <dgm:t>
+        <a:bodyPr/>
+        <a:lstStyle/>
+        <a:p>
+          <a:endParaRPr lang="en-US"/>
+        </a:p>
+      </dgm:t>
     </dgm:pt>
     <dgm:pt modelId="{E8488606-90D8-409F-B6F1-87A51D666EC6}" type="pres">
       <dgm:prSet presAssocID="{DE2B6030-8B05-4221-BE1D-F6EFC1B705C6}" presName="parTrans" presStyleLbl="sibTrans2D1" presStyleIdx="0" presStyleCnt="5"/>
       <dgm:spPr/>
+      <dgm:t>
+        <a:bodyPr/>
+        <a:lstStyle/>
+        <a:p>
+          <a:endParaRPr lang="en-US"/>
+        </a:p>
+      </dgm:t>
     </dgm:pt>
     <dgm:pt modelId="{E66D52C2-7FF2-482C-BBCC-F16DE4084AF4}" type="pres">
       <dgm:prSet presAssocID="{DE2B6030-8B05-4221-BE1D-F6EFC1B705C6}" presName="connectorText" presStyleLbl="sibTrans2D1" presStyleIdx="0" presStyleCnt="5"/>
       <dgm:spPr/>
+      <dgm:t>
+        <a:bodyPr/>
+        <a:lstStyle/>
+        <a:p>
+          <a:endParaRPr lang="en-US"/>
+        </a:p>
+      </dgm:t>
     </dgm:pt>
     <dgm:pt modelId="{228C1FF4-A995-43A4-A46C-24A68B13C94F}" type="pres">
       <dgm:prSet presAssocID="{E8BE94C1-71D4-450A-A16D-EAE26A9395CC}" presName="node" presStyleLbl="node1" presStyleIdx="0" presStyleCnt="5">
@@ -1097,14 +1125,35 @@
         </dgm:presLayoutVars>
       </dgm:prSet>
       <dgm:spPr/>
+      <dgm:t>
+        <a:bodyPr/>
+        <a:lstStyle/>
+        <a:p>
+          <a:endParaRPr lang="en-US"/>
+        </a:p>
+      </dgm:t>
     </dgm:pt>
     <dgm:pt modelId="{FAFC934C-68D6-441E-B757-C0EB175E6C5F}" type="pres">
       <dgm:prSet presAssocID="{4D2C3BA0-8239-45B9-9622-1E4BECA7D48B}" presName="parTrans" presStyleLbl="sibTrans2D1" presStyleIdx="1" presStyleCnt="5"/>
       <dgm:spPr/>
+      <dgm:t>
+        <a:bodyPr/>
+        <a:lstStyle/>
+        <a:p>
+          <a:endParaRPr lang="en-US"/>
+        </a:p>
+      </dgm:t>
     </dgm:pt>
     <dgm:pt modelId="{E7A4F3E7-EAFF-4832-980A-52D6FF0CBD3C}" type="pres">
       <dgm:prSet presAssocID="{4D2C3BA0-8239-45B9-9622-1E4BECA7D48B}" presName="connectorText" presStyleLbl="sibTrans2D1" presStyleIdx="1" presStyleCnt="5"/>
       <dgm:spPr/>
+      <dgm:t>
+        <a:bodyPr/>
+        <a:lstStyle/>
+        <a:p>
+          <a:endParaRPr lang="en-US"/>
+        </a:p>
+      </dgm:t>
     </dgm:pt>
     <dgm:pt modelId="{CEE79C28-B89E-4D8B-8F29-EB28D1794C21}" type="pres">
       <dgm:prSet presAssocID="{FF0E786A-D7E0-4E71-8774-96A8216FB65F}" presName="node" presStyleLbl="node1" presStyleIdx="1" presStyleCnt="5">
@@ -1113,14 +1162,35 @@
         </dgm:presLayoutVars>
       </dgm:prSet>
       <dgm:spPr/>
+      <dgm:t>
+        <a:bodyPr/>
+        <a:lstStyle/>
+        <a:p>
+          <a:endParaRPr lang="en-US"/>
+        </a:p>
+      </dgm:t>
     </dgm:pt>
     <dgm:pt modelId="{394A8C52-0454-4ECF-A6FE-9C8F49C5E934}" type="pres">
       <dgm:prSet presAssocID="{E9F8A64C-2A04-4B46-87CC-721BD8A5F2E4}" presName="parTrans" presStyleLbl="sibTrans2D1" presStyleIdx="2" presStyleCnt="5"/>
       <dgm:spPr/>
+      <dgm:t>
+        <a:bodyPr/>
+        <a:lstStyle/>
+        <a:p>
+          <a:endParaRPr lang="en-US"/>
+        </a:p>
+      </dgm:t>
     </dgm:pt>
     <dgm:pt modelId="{24C46780-025D-4D60-86CD-280D96699F1D}" type="pres">
       <dgm:prSet presAssocID="{E9F8A64C-2A04-4B46-87CC-721BD8A5F2E4}" presName="connectorText" presStyleLbl="sibTrans2D1" presStyleIdx="2" presStyleCnt="5"/>
       <dgm:spPr/>
+      <dgm:t>
+        <a:bodyPr/>
+        <a:lstStyle/>
+        <a:p>
+          <a:endParaRPr lang="en-US"/>
+        </a:p>
+      </dgm:t>
     </dgm:pt>
     <dgm:pt modelId="{9500A5E9-4696-4207-B1AF-BADC210AD951}" type="pres">
       <dgm:prSet presAssocID="{C0A1C8A4-4EC2-491E-B076-4A58346A8DB9}" presName="node" presStyleLbl="node1" presStyleIdx="2" presStyleCnt="5">
@@ -1129,14 +1199,35 @@
         </dgm:presLayoutVars>
       </dgm:prSet>
       <dgm:spPr/>
+      <dgm:t>
+        <a:bodyPr/>
+        <a:lstStyle/>
+        <a:p>
+          <a:endParaRPr lang="en-US"/>
+        </a:p>
+      </dgm:t>
     </dgm:pt>
     <dgm:pt modelId="{29D0A286-1FAF-4D85-BA76-25E94F1978C5}" type="pres">
       <dgm:prSet presAssocID="{9CC928A3-D210-41F6-BC79-3416A0E0CD8F}" presName="parTrans" presStyleLbl="sibTrans2D1" presStyleIdx="3" presStyleCnt="5"/>
       <dgm:spPr/>
+      <dgm:t>
+        <a:bodyPr/>
+        <a:lstStyle/>
+        <a:p>
+          <a:endParaRPr lang="en-US"/>
+        </a:p>
+      </dgm:t>
     </dgm:pt>
     <dgm:pt modelId="{E5E59F29-0ACD-4C83-8576-38062FE6A822}" type="pres">
       <dgm:prSet presAssocID="{9CC928A3-D210-41F6-BC79-3416A0E0CD8F}" presName="connectorText" presStyleLbl="sibTrans2D1" presStyleIdx="3" presStyleCnt="5"/>
       <dgm:spPr/>
+      <dgm:t>
+        <a:bodyPr/>
+        <a:lstStyle/>
+        <a:p>
+          <a:endParaRPr lang="en-US"/>
+        </a:p>
+      </dgm:t>
     </dgm:pt>
     <dgm:pt modelId="{B3CE48DF-0FE1-4476-AA74-01333E56AEE4}" type="pres">
       <dgm:prSet presAssocID="{E02822FB-E079-49F9-8C71-2B4BB09764D7}" presName="node" presStyleLbl="node1" presStyleIdx="3" presStyleCnt="5">
@@ -1145,14 +1236,35 @@
         </dgm:presLayoutVars>
       </dgm:prSet>
       <dgm:spPr/>
+      <dgm:t>
+        <a:bodyPr/>
+        <a:lstStyle/>
+        <a:p>
+          <a:endParaRPr lang="en-US"/>
+        </a:p>
+      </dgm:t>
     </dgm:pt>
     <dgm:pt modelId="{0BDDA8AF-D034-4846-A0B9-84B757AF6D96}" type="pres">
       <dgm:prSet presAssocID="{F524252E-A50A-43B6-906B-5848BF134E41}" presName="parTrans" presStyleLbl="sibTrans2D1" presStyleIdx="4" presStyleCnt="5"/>
       <dgm:spPr/>
+      <dgm:t>
+        <a:bodyPr/>
+        <a:lstStyle/>
+        <a:p>
+          <a:endParaRPr lang="en-US"/>
+        </a:p>
+      </dgm:t>
     </dgm:pt>
     <dgm:pt modelId="{85BB209F-885B-4157-8C52-36243AAB7BB0}" type="pres">
       <dgm:prSet presAssocID="{F524252E-A50A-43B6-906B-5848BF134E41}" presName="connectorText" presStyleLbl="sibTrans2D1" presStyleIdx="4" presStyleCnt="5"/>
       <dgm:spPr/>
+      <dgm:t>
+        <a:bodyPr/>
+        <a:lstStyle/>
+        <a:p>
+          <a:endParaRPr lang="en-US"/>
+        </a:p>
+      </dgm:t>
     </dgm:pt>
     <dgm:pt modelId="{C7FDB84B-6B4A-4BD8-A677-4317F38ABD74}" type="pres">
       <dgm:prSet presAssocID="{6CE760AF-F44C-4670-90A5-7CA4A05A88D0}" presName="node" presStyleLbl="node1" presStyleIdx="4" presStyleCnt="5">
@@ -1161,13 +1273,20 @@
         </dgm:presLayoutVars>
       </dgm:prSet>
       <dgm:spPr/>
+      <dgm:t>
+        <a:bodyPr/>
+        <a:lstStyle/>
+        <a:p>
+          <a:endParaRPr lang="en-US"/>
+        </a:p>
+      </dgm:t>
     </dgm:pt>
   </dgm:ptLst>
   <dgm:cxnLst>
     <dgm:cxn modelId="{FE5DE984-DA19-4DDE-9577-15A1E9868BD0}" srcId="{AF7FEF79-4375-42BD-AA7D-F1FC1C70E841}" destId="{6CE760AF-F44C-4670-90A5-7CA4A05A88D0}" srcOrd="4" destOrd="0" parTransId="{F524252E-A50A-43B6-906B-5848BF134E41}" sibTransId="{BA62BCA9-7903-4301-A119-8E6D43FD16FD}"/>
     <dgm:cxn modelId="{379BE146-DC7C-4554-9048-560CB7626388}" type="presOf" srcId="{9CC928A3-D210-41F6-BC79-3416A0E0CD8F}" destId="{29D0A286-1FAF-4D85-BA76-25E94F1978C5}" srcOrd="0" destOrd="0" presId="urn:microsoft.com/office/officeart/2005/8/layout/radial5"/>
+    <dgm:cxn modelId="{323B009D-05C0-40C3-B50B-A108F1CA451D}" type="presOf" srcId="{DC234C4B-4A8A-4175-BBD6-5EAA79773C8D}" destId="{40628CC7-7330-4449-917C-1A045AF7D0F0}" srcOrd="0" destOrd="0" presId="urn:microsoft.com/office/officeart/2005/8/layout/radial5"/>
     <dgm:cxn modelId="{E5257AF1-A1CC-41DE-9958-4C1170C65F31}" srcId="{AF7FEF79-4375-42BD-AA7D-F1FC1C70E841}" destId="{E02822FB-E079-49F9-8C71-2B4BB09764D7}" srcOrd="3" destOrd="0" parTransId="{9CC928A3-D210-41F6-BC79-3416A0E0CD8F}" sibTransId="{D6F419A0-BE09-4A09-ADDB-1794574C9F09}"/>
-    <dgm:cxn modelId="{323B009D-05C0-40C3-B50B-A108F1CA451D}" type="presOf" srcId="{DC234C4B-4A8A-4175-BBD6-5EAA79773C8D}" destId="{40628CC7-7330-4449-917C-1A045AF7D0F0}" srcOrd="0" destOrd="0" presId="urn:microsoft.com/office/officeart/2005/8/layout/radial5"/>
     <dgm:cxn modelId="{75918B55-4B73-4B0F-8358-8EFC0053D258}" type="presOf" srcId="{6CE760AF-F44C-4670-90A5-7CA4A05A88D0}" destId="{C7FDB84B-6B4A-4BD8-A677-4317F38ABD74}" srcOrd="0" destOrd="0" presId="urn:microsoft.com/office/officeart/2005/8/layout/radial5"/>
     <dgm:cxn modelId="{356CC55D-DBCE-440A-9680-64E6087FEA69}" type="presOf" srcId="{E9F8A64C-2A04-4B46-87CC-721BD8A5F2E4}" destId="{394A8C52-0454-4ECF-A6FE-9C8F49C5E934}" srcOrd="0" destOrd="0" presId="urn:microsoft.com/office/officeart/2005/8/layout/radial5"/>
     <dgm:cxn modelId="{36536468-90CB-4343-BA9C-06BD2E3B5E93}" type="presOf" srcId="{E9F8A64C-2A04-4B46-87CC-721BD8A5F2E4}" destId="{24C46780-025D-4D60-86CD-280D96699F1D}" srcOrd="1" destOrd="0" presId="urn:microsoft.com/office/officeart/2005/8/layout/radial5"/>
@@ -3464,7 +3583,7 @@
             <a:fld id="{B0A6F538-5024-684F-99E7-4392535CE81C}" type="datetimeFigureOut">
               <a:rPr lang="en-US" smtClean="0"/>
               <a:pPr/>
-              <a:t>1/30/2013</a:t>
+              <a:t>2/12/2013</a:t>
             </a:fld>
             <a:endParaRPr lang="en-US"/>
           </a:p>
@@ -3631,7 +3750,7 @@
             <a:fld id="{B0A6F538-5024-684F-99E7-4392535CE81C}" type="datetimeFigureOut">
               <a:rPr lang="en-US" smtClean="0"/>
               <a:pPr/>
-              <a:t>1/30/2013</a:t>
+              <a:t>2/12/2013</a:t>
             </a:fld>
             <a:endParaRPr lang="en-US"/>
           </a:p>
@@ -3808,7 +3927,7 @@
             <a:fld id="{B0A6F538-5024-684F-99E7-4392535CE81C}" type="datetimeFigureOut">
               <a:rPr lang="en-US" smtClean="0"/>
               <a:pPr/>
-              <a:t>1/30/2013</a:t>
+              <a:t>2/12/2013</a:t>
             </a:fld>
             <a:endParaRPr lang="en-US"/>
           </a:p>
@@ -3975,7 +4094,7 @@
             <a:fld id="{B0A6F538-5024-684F-99E7-4392535CE81C}" type="datetimeFigureOut">
               <a:rPr lang="en-US" smtClean="0"/>
               <a:pPr/>
-              <a:t>1/30/2013</a:t>
+              <a:t>2/12/2013</a:t>
             </a:fld>
             <a:endParaRPr lang="en-US"/>
           </a:p>
@@ -4218,7 +4337,7 @@
             <a:fld id="{B0A6F538-5024-684F-99E7-4392535CE81C}" type="datetimeFigureOut">
               <a:rPr lang="en-US" smtClean="0"/>
               <a:pPr/>
-              <a:t>1/30/2013</a:t>
+              <a:t>2/12/2013</a:t>
             </a:fld>
             <a:endParaRPr lang="en-US"/>
           </a:p>
@@ -4503,7 +4622,7 @@
             <a:fld id="{B0A6F538-5024-684F-99E7-4392535CE81C}" type="datetimeFigureOut">
               <a:rPr lang="en-US" smtClean="0"/>
               <a:pPr/>
-              <a:t>1/30/2013</a:t>
+              <a:t>2/12/2013</a:t>
             </a:fld>
             <a:endParaRPr lang="en-US"/>
           </a:p>
@@ -4922,7 +5041,7 @@
             <a:fld id="{B0A6F538-5024-684F-99E7-4392535CE81C}" type="datetimeFigureOut">
               <a:rPr lang="en-US" smtClean="0"/>
               <a:pPr/>
-              <a:t>1/30/2013</a:t>
+              <a:t>2/12/2013</a:t>
             </a:fld>
             <a:endParaRPr lang="en-US"/>
           </a:p>
@@ -5037,7 +5156,7 @@
             <a:fld id="{B0A6F538-5024-684F-99E7-4392535CE81C}" type="datetimeFigureOut">
               <a:rPr lang="en-US" smtClean="0"/>
               <a:pPr/>
-              <a:t>1/30/2013</a:t>
+              <a:t>2/12/2013</a:t>
             </a:fld>
             <a:endParaRPr lang="en-US"/>
           </a:p>
@@ -5129,7 +5248,7 @@
             <a:fld id="{B0A6F538-5024-684F-99E7-4392535CE81C}" type="datetimeFigureOut">
               <a:rPr lang="en-US" smtClean="0"/>
               <a:pPr/>
-              <a:t>1/30/2013</a:t>
+              <a:t>2/12/2013</a:t>
             </a:fld>
             <a:endParaRPr lang="en-US"/>
           </a:p>
@@ -5403,7 +5522,7 @@
             <a:fld id="{B0A6F538-5024-684F-99E7-4392535CE81C}" type="datetimeFigureOut">
               <a:rPr lang="en-US" smtClean="0"/>
               <a:pPr/>
-              <a:t>1/30/2013</a:t>
+              <a:t>2/12/2013</a:t>
             </a:fld>
             <a:endParaRPr lang="en-US"/>
           </a:p>
@@ -5653,7 +5772,7 @@
             <a:fld id="{B0A6F538-5024-684F-99E7-4392535CE81C}" type="datetimeFigureOut">
               <a:rPr lang="en-US" smtClean="0"/>
               <a:pPr/>
-              <a:t>1/30/2013</a:t>
+              <a:t>2/12/2013</a:t>
             </a:fld>
             <a:endParaRPr lang="en-US"/>
           </a:p>
@@ -5863,7 +5982,7 @@
             <a:fld id="{B0A6F538-5024-684F-99E7-4392535CE81C}" type="datetimeFigureOut">
               <a:rPr lang="en-US" smtClean="0"/>
               <a:pPr/>
-              <a:t>1/30/2013</a:t>
+              <a:t>2/12/2013</a:t>
             </a:fld>
             <a:endParaRPr lang="en-US"/>
           </a:p>
@@ -6443,7 +6562,7 @@
         </p:nvGrpSpPr>
         <p:grpSpPr>
           <a:xfrm>
-            <a:off x="7582790" y="2930319"/>
+            <a:off x="7567024" y="2930319"/>
             <a:ext cx="1182302" cy="1026099"/>
             <a:chOff x="-76307" y="3587323"/>
             <a:chExt cx="1182302" cy="1026099"/>
@@ -6817,6 +6936,40 @@
           <a:xfrm>
             <a:off x="4981068" y="5566441"/>
             <a:ext cx="0" cy="882466"/>
+          </a:xfrm>
+          <a:prstGeom prst="straightConnector1">
+            <a:avLst/>
+          </a:prstGeom>
+          <a:noFill/>
+          <a:ln w="25400">
+            <a:solidFill>
+              <a:srgbClr val="000000"/>
+            </a:solidFill>
+            <a:round/>
+            <a:headEnd/>
+            <a:tailEnd type="triangle" w="lg" len="lg"/>
+          </a:ln>
+          <a:effectLst>
+            <a:outerShdw blurRad="40000" dist="20000" dir="5400000" rotWithShape="0">
+              <a:srgbClr val="000000">
+                <a:alpha val="37999"/>
+              </a:srgbClr>
+            </a:outerShdw>
+          </a:effectLst>
+        </p:spPr>
+      </p:cxnSp>
+      <p:cxnSp>
+        <p:nvCxnSpPr>
+          <p:cNvPr id="19" name="Straight Arrow Connector 10"/>
+          <p:cNvCxnSpPr>
+            <a:cxnSpLocks noChangeShapeType="1"/>
+          </p:cNvCxnSpPr>
+          <p:nvPr/>
+        </p:nvCxnSpPr>
+        <p:spPr bwMode="auto">
+          <a:xfrm flipH="1">
+            <a:off x="8190477" y="4019482"/>
+            <a:ext cx="1" cy="929473"/>
           </a:xfrm>
           <a:prstGeom prst="straightConnector1">
             <a:avLst/>

--- a/ThesisWork/plug-in/environment/runtime_environment.pptx
+++ b/ThesisWork/plug-in/environment/runtime_environment.pptx
@@ -3583,7 +3583,7 @@
             <a:fld id="{B0A6F538-5024-684F-99E7-4392535CE81C}" type="datetimeFigureOut">
               <a:rPr lang="en-US" smtClean="0"/>
               <a:pPr/>
-              <a:t>2/12/2013</a:t>
+              <a:t>7/2/2013</a:t>
             </a:fld>
             <a:endParaRPr lang="en-US"/>
           </a:p>
@@ -3750,7 +3750,7 @@
             <a:fld id="{B0A6F538-5024-684F-99E7-4392535CE81C}" type="datetimeFigureOut">
               <a:rPr lang="en-US" smtClean="0"/>
               <a:pPr/>
-              <a:t>2/12/2013</a:t>
+              <a:t>7/2/2013</a:t>
             </a:fld>
             <a:endParaRPr lang="en-US"/>
           </a:p>
@@ -3927,7 +3927,7 @@
             <a:fld id="{B0A6F538-5024-684F-99E7-4392535CE81C}" type="datetimeFigureOut">
               <a:rPr lang="en-US" smtClean="0"/>
               <a:pPr/>
-              <a:t>2/12/2013</a:t>
+              <a:t>7/2/2013</a:t>
             </a:fld>
             <a:endParaRPr lang="en-US"/>
           </a:p>
@@ -4094,7 +4094,7 @@
             <a:fld id="{B0A6F538-5024-684F-99E7-4392535CE81C}" type="datetimeFigureOut">
               <a:rPr lang="en-US" smtClean="0"/>
               <a:pPr/>
-              <a:t>2/12/2013</a:t>
+              <a:t>7/2/2013</a:t>
             </a:fld>
             <a:endParaRPr lang="en-US"/>
           </a:p>
@@ -4337,7 +4337,7 @@
             <a:fld id="{B0A6F538-5024-684F-99E7-4392535CE81C}" type="datetimeFigureOut">
               <a:rPr lang="en-US" smtClean="0"/>
               <a:pPr/>
-              <a:t>2/12/2013</a:t>
+              <a:t>7/2/2013</a:t>
             </a:fld>
             <a:endParaRPr lang="en-US"/>
           </a:p>
@@ -4622,7 +4622,7 @@
             <a:fld id="{B0A6F538-5024-684F-99E7-4392535CE81C}" type="datetimeFigureOut">
               <a:rPr lang="en-US" smtClean="0"/>
               <a:pPr/>
-              <a:t>2/12/2013</a:t>
+              <a:t>7/2/2013</a:t>
             </a:fld>
             <a:endParaRPr lang="en-US"/>
           </a:p>
@@ -5041,7 +5041,7 @@
             <a:fld id="{B0A6F538-5024-684F-99E7-4392535CE81C}" type="datetimeFigureOut">
               <a:rPr lang="en-US" smtClean="0"/>
               <a:pPr/>
-              <a:t>2/12/2013</a:t>
+              <a:t>7/2/2013</a:t>
             </a:fld>
             <a:endParaRPr lang="en-US"/>
           </a:p>
@@ -5156,7 +5156,7 @@
             <a:fld id="{B0A6F538-5024-684F-99E7-4392535CE81C}" type="datetimeFigureOut">
               <a:rPr lang="en-US" smtClean="0"/>
               <a:pPr/>
-              <a:t>2/12/2013</a:t>
+              <a:t>7/2/2013</a:t>
             </a:fld>
             <a:endParaRPr lang="en-US"/>
           </a:p>
@@ -5248,7 +5248,7 @@
             <a:fld id="{B0A6F538-5024-684F-99E7-4392535CE81C}" type="datetimeFigureOut">
               <a:rPr lang="en-US" smtClean="0"/>
               <a:pPr/>
-              <a:t>2/12/2013</a:t>
+              <a:t>7/2/2013</a:t>
             </a:fld>
             <a:endParaRPr lang="en-US"/>
           </a:p>
@@ -5522,7 +5522,7 @@
             <a:fld id="{B0A6F538-5024-684F-99E7-4392535CE81C}" type="datetimeFigureOut">
               <a:rPr lang="en-US" smtClean="0"/>
               <a:pPr/>
-              <a:t>2/12/2013</a:t>
+              <a:t>7/2/2013</a:t>
             </a:fld>
             <a:endParaRPr lang="en-US"/>
           </a:p>
@@ -5772,7 +5772,7 @@
             <a:fld id="{B0A6F538-5024-684F-99E7-4392535CE81C}" type="datetimeFigureOut">
               <a:rPr lang="en-US" smtClean="0"/>
               <a:pPr/>
-              <a:t>2/12/2013</a:t>
+              <a:t>7/2/2013</a:t>
             </a:fld>
             <a:endParaRPr lang="en-US"/>
           </a:p>
@@ -5982,7 +5982,7 @@
             <a:fld id="{B0A6F538-5024-684F-99E7-4392535CE81C}" type="datetimeFigureOut">
               <a:rPr lang="en-US" smtClean="0"/>
               <a:pPr/>
-              <a:t>2/12/2013</a:t>
+              <a:t>7/2/2013</a:t>
             </a:fld>
             <a:endParaRPr lang="en-US"/>
           </a:p>
@@ -6562,10 +6562,10 @@
         </p:nvGrpSpPr>
         <p:grpSpPr>
           <a:xfrm>
-            <a:off x="7567024" y="2930319"/>
-            <a:ext cx="1182302" cy="1026099"/>
+            <a:off x="7488193" y="2867255"/>
+            <a:ext cx="1468057" cy="1641652"/>
             <a:chOff x="-76307" y="3587323"/>
-            <a:chExt cx="1182302" cy="1026099"/>
+            <a:chExt cx="1182302" cy="1641652"/>
           </a:xfrm>
         </p:grpSpPr>
         <p:grpSp>
@@ -6577,9 +6577,9 @@
           <p:grpSpPr>
             <a:xfrm>
               <a:off x="394234" y="3587323"/>
-              <a:ext cx="279046" cy="611385"/>
-              <a:chOff x="4249234" y="493838"/>
-              <a:chExt cx="457210" cy="1143000"/>
+              <a:ext cx="279040" cy="611385"/>
+              <a:chOff x="4249233" y="493838"/>
+              <a:chExt cx="457200" cy="1143000"/>
             </a:xfrm>
           </p:grpSpPr>
           <p:sp>
@@ -6592,7 +6592,7 @@
             </p:nvSpPr>
             <p:spPr bwMode="auto">
               <a:xfrm>
-                <a:off x="4249234" y="493838"/>
+                <a:off x="4249233" y="493838"/>
                 <a:ext cx="457200" cy="457200"/>
               </a:xfrm>
               <a:prstGeom prst="ellipse">
@@ -6633,8 +6633,8 @@
             </p:nvSpPr>
             <p:spPr bwMode="auto">
               <a:xfrm>
-                <a:off x="4249243" y="951038"/>
-                <a:ext cx="457201" cy="685800"/>
+                <a:off x="4249242" y="951038"/>
+                <a:ext cx="457191" cy="685800"/>
               </a:xfrm>
               <a:prstGeom prst="roundRect">
                 <a:avLst>
@@ -6676,7 +6676,7 @@
           <p:spPr>
             <a:xfrm>
               <a:off x="-76307" y="4213312"/>
-              <a:ext cx="1182302" cy="400110"/>
+              <a:ext cx="1182302" cy="1015663"/>
             </a:xfrm>
             <a:prstGeom prst="rect">
               <a:avLst/>
@@ -6692,8 +6692,12 @@
               <a:pPr algn="ctr"/>
               <a:r>
                 <a:rPr lang="en-US" sz="2000" dirty="0" smtClean="0"/>
-                <a:t>Scientists</a:t>
+                <a:t>Engineers</a:t>
               </a:r>
+              <a:endParaRPr lang="en-US" sz="2000" dirty="0" smtClean="0"/>
+            </a:p>
+            <a:p>
+              <a:pPr algn="ctr"/>
               <a:endParaRPr lang="en-US" sz="2000" dirty="0"/>
             </a:p>
           </p:txBody>
